--- a/other/lf-energy-standards-and-specifications/lfess-template.pptx
+++ b/other/lf-energy-standards-and-specifications/lfess-template.pptx
@@ -1118,29 +1118,31 @@
       </p:sp>
       <p:pic>
         <p:nvPicPr>
-          <p:cNvPr id="17" name="Google Shape;17;p2"/>
-          <p:cNvPicPr preferRelativeResize="0"/>
-          <p:nvPr/>
+          <p:cNvPr id="2" name="Picture 1" descr="A blue and black logo&#10;&#10;Description automatically generated">
+            <a:extLst>
+              <a:ext uri="{FF2B5EF4-FFF2-40B4-BE49-F238E27FC236}">
+                <a16:creationId xmlns:a16="http://schemas.microsoft.com/office/drawing/2014/main" id="{EB3FBC24-7F32-58A7-3821-E9E74C91441E}"/>
+              </a:ext>
+            </a:extLst>
+          </p:cNvPr>
+          <p:cNvPicPr>
+            <a:picLocks noChangeAspect="1"/>
+          </p:cNvPicPr>
+          <p:nvPr userDrawn="1"/>
         </p:nvPicPr>
         <p:blipFill rotWithShape="1">
-          <a:blip r:embed="rId3">
-            <a:alphaModFix/>
-          </a:blip>
-          <a:srcRect/>
+          <a:blip r:embed="rId3"/>
+          <a:srcRect t="33821" b="33582"/>
           <a:stretch/>
         </p:blipFill>
         <p:spPr>
           <a:xfrm>
-            <a:off x="2155975" y="1877151"/>
-            <a:ext cx="4076400" cy="1068000"/>
+            <a:off x="2304106" y="2109711"/>
+            <a:ext cx="4535787" cy="924077"/>
           </a:xfrm>
           <a:prstGeom prst="rect">
             <a:avLst/>
           </a:prstGeom>
-          <a:noFill/>
-          <a:ln>
-            <a:noFill/>
-          </a:ln>
         </p:spPr>
       </p:pic>
     </p:spTree>
@@ -2077,29 +2079,31 @@
       </p:pic>
       <p:pic>
         <p:nvPicPr>
-          <p:cNvPr id="81" name="Google Shape;81;p11"/>
-          <p:cNvPicPr preferRelativeResize="0"/>
-          <p:nvPr/>
+          <p:cNvPr id="2" name="Picture 1" descr="A blue and black logo&#10;&#10;Description automatically generated">
+            <a:extLst>
+              <a:ext uri="{FF2B5EF4-FFF2-40B4-BE49-F238E27FC236}">
+                <a16:creationId xmlns:a16="http://schemas.microsoft.com/office/drawing/2014/main" id="{B36CCA88-6CFD-096E-0F99-B02BB905C995}"/>
+              </a:ext>
+            </a:extLst>
+          </p:cNvPr>
+          <p:cNvPicPr>
+            <a:picLocks noChangeAspect="1"/>
+          </p:cNvPicPr>
+          <p:nvPr userDrawn="1"/>
         </p:nvPicPr>
         <p:blipFill rotWithShape="1">
-          <a:blip r:embed="rId3">
-            <a:alphaModFix/>
-          </a:blip>
-          <a:srcRect/>
+          <a:blip r:embed="rId3"/>
+          <a:srcRect t="33821" b="33582"/>
           <a:stretch/>
         </p:blipFill>
         <p:spPr>
           <a:xfrm>
-            <a:off x="190400" y="4409447"/>
-            <a:ext cx="2575125" cy="674678"/>
+            <a:off x="190400" y="4468847"/>
+            <a:ext cx="2919211" cy="594732"/>
           </a:xfrm>
           <a:prstGeom prst="rect">
             <a:avLst/>
           </a:prstGeom>
-          <a:noFill/>
-          <a:ln>
-            <a:noFill/>
-          </a:ln>
         </p:spPr>
       </p:pic>
     </p:spTree>
@@ -3877,29 +3881,31 @@
       </p:pic>
       <p:pic>
         <p:nvPicPr>
-          <p:cNvPr id="103" name="Google Shape;103;p14"/>
-          <p:cNvPicPr preferRelativeResize="0"/>
-          <p:nvPr/>
+          <p:cNvPr id="2" name="Picture 1" descr="A black background with white text&#10;&#10;Description automatically generated">
+            <a:extLst>
+              <a:ext uri="{FF2B5EF4-FFF2-40B4-BE49-F238E27FC236}">
+                <a16:creationId xmlns:a16="http://schemas.microsoft.com/office/drawing/2014/main" id="{54CDCA8D-C5F1-84E8-4984-BFA6B6D2C101}"/>
+              </a:ext>
+            </a:extLst>
+          </p:cNvPr>
+          <p:cNvPicPr>
+            <a:picLocks noChangeAspect="1"/>
+          </p:cNvPicPr>
+          <p:nvPr userDrawn="1"/>
         </p:nvPicPr>
         <p:blipFill rotWithShape="1">
-          <a:blip r:embed="rId4">
-            <a:alphaModFix/>
-          </a:blip>
-          <a:srcRect/>
+          <a:blip r:embed="rId4"/>
+          <a:srcRect t="30921" b="27894"/>
           <a:stretch/>
         </p:blipFill>
         <p:spPr>
           <a:xfrm>
-            <a:off x="2336200" y="1880100"/>
-            <a:ext cx="4471598" cy="1137575"/>
+            <a:off x="2336201" y="1996247"/>
+            <a:ext cx="4471598" cy="1151006"/>
           </a:xfrm>
           <a:prstGeom prst="rect">
             <a:avLst/>
           </a:prstGeom>
-          <a:noFill/>
-          <a:ln>
-            <a:noFill/>
-          </a:ln>
         </p:spPr>
       </p:pic>
     </p:spTree>
@@ -4516,7 +4522,7 @@
             </a:lvl9pPr>
           </a:lstStyle>
           <a:p>
-            <a:endParaRPr/>
+            <a:endParaRPr dirty="0"/>
           </a:p>
         </p:txBody>
       </p:sp>
@@ -5136,29 +5142,31 @@
       </p:pic>
       <p:pic>
         <p:nvPicPr>
-          <p:cNvPr id="25" name="Google Shape;25;p3"/>
-          <p:cNvPicPr preferRelativeResize="0"/>
-          <p:nvPr/>
+          <p:cNvPr id="2" name="Picture 1" descr="A black background with white text&#10;&#10;Description automatically generated">
+            <a:extLst>
+              <a:ext uri="{FF2B5EF4-FFF2-40B4-BE49-F238E27FC236}">
+                <a16:creationId xmlns:a16="http://schemas.microsoft.com/office/drawing/2014/main" id="{E838294C-6D92-DB88-0D45-2147F53F2092}"/>
+              </a:ext>
+            </a:extLst>
+          </p:cNvPr>
+          <p:cNvPicPr>
+            <a:picLocks noChangeAspect="1"/>
+          </p:cNvPicPr>
+          <p:nvPr userDrawn="1"/>
         </p:nvPicPr>
         <p:blipFill rotWithShape="1">
-          <a:blip r:embed="rId4">
-            <a:alphaModFix/>
-          </a:blip>
-          <a:srcRect/>
+          <a:blip r:embed="rId4"/>
+          <a:srcRect t="30921" b="27894"/>
           <a:stretch/>
         </p:blipFill>
         <p:spPr>
           <a:xfrm>
-            <a:off x="705575" y="4235025"/>
-            <a:ext cx="2575099" cy="655091"/>
+            <a:off x="705575" y="4153473"/>
+            <a:ext cx="2861819" cy="736643"/>
           </a:xfrm>
           <a:prstGeom prst="rect">
             <a:avLst/>
           </a:prstGeom>
-          <a:noFill/>
-          <a:ln>
-            <a:noFill/>
-          </a:ln>
         </p:spPr>
       </p:pic>
     </p:spTree>
@@ -5194,6 +5202,35 @@
           <a:chExt cx="0" cy="0"/>
         </a:xfrm>
       </p:grpSpPr>
+      <p:pic>
+        <p:nvPicPr>
+          <p:cNvPr id="3" name="Picture 2" descr="A black background with white text&#10;&#10;Description automatically generated">
+            <a:extLst>
+              <a:ext uri="{FF2B5EF4-FFF2-40B4-BE49-F238E27FC236}">
+                <a16:creationId xmlns:a16="http://schemas.microsoft.com/office/drawing/2014/main" id="{C81361DB-7779-EE59-7C7B-04122B49D627}"/>
+              </a:ext>
+            </a:extLst>
+          </p:cNvPr>
+          <p:cNvPicPr>
+            <a:picLocks noChangeAspect="1"/>
+          </p:cNvPicPr>
+          <p:nvPr userDrawn="1"/>
+        </p:nvPicPr>
+        <p:blipFill rotWithShape="1">
+          <a:blip r:embed="rId2"/>
+          <a:srcRect t="30921" b="27894"/>
+          <a:stretch/>
+        </p:blipFill>
+        <p:spPr>
+          <a:xfrm>
+            <a:off x="705575" y="4153473"/>
+            <a:ext cx="2861819" cy="736643"/>
+          </a:xfrm>
+          <a:prstGeom prst="rect">
+            <a:avLst/>
+          </a:prstGeom>
+        </p:spPr>
+      </p:pic>
       <p:sp>
         <p:nvSpPr>
           <p:cNvPr id="27" name="Google Shape;27;p4"/>
@@ -5647,7 +5684,7 @@
           <p:nvPr/>
         </p:nvPicPr>
         <p:blipFill rotWithShape="1">
-          <a:blip r:embed="rId2">
+          <a:blip r:embed="rId3">
             <a:alphaModFix/>
           </a:blip>
           <a:srcRect/>
@@ -6060,33 +6097,6 @@
           </a:p>
         </p:txBody>
       </p:sp>
-      <p:pic>
-        <p:nvPicPr>
-          <p:cNvPr id="33" name="Google Shape;33;p4"/>
-          <p:cNvPicPr preferRelativeResize="0"/>
-          <p:nvPr/>
-        </p:nvPicPr>
-        <p:blipFill rotWithShape="1">
-          <a:blip r:embed="rId3">
-            <a:alphaModFix/>
-          </a:blip>
-          <a:srcRect/>
-          <a:stretch/>
-        </p:blipFill>
-        <p:spPr>
-          <a:xfrm>
-            <a:off x="705575" y="4235025"/>
-            <a:ext cx="2575099" cy="655091"/>
-          </a:xfrm>
-          <a:prstGeom prst="rect">
-            <a:avLst/>
-          </a:prstGeom>
-          <a:noFill/>
-          <a:ln>
-            <a:noFill/>
-          </a:ln>
-        </p:spPr>
-      </p:pic>
     </p:spTree>
   </p:cSld>
   <p:clrMapOvr>
@@ -6898,29 +6908,31 @@
       </p:sp>
       <p:pic>
         <p:nvPicPr>
-          <p:cNvPr id="39" name="Google Shape;39;p5"/>
-          <p:cNvPicPr preferRelativeResize="0"/>
-          <p:nvPr/>
+          <p:cNvPr id="3" name="Picture 2" descr="A blue and black logo&#10;&#10;Description automatically generated">
+            <a:extLst>
+              <a:ext uri="{FF2B5EF4-FFF2-40B4-BE49-F238E27FC236}">
+                <a16:creationId xmlns:a16="http://schemas.microsoft.com/office/drawing/2014/main" id="{9B882CE2-9C97-13BA-629B-0604E3B9DF67}"/>
+              </a:ext>
+            </a:extLst>
+          </p:cNvPr>
+          <p:cNvPicPr>
+            <a:picLocks noChangeAspect="1"/>
+          </p:cNvPicPr>
+          <p:nvPr userDrawn="1"/>
         </p:nvPicPr>
         <p:blipFill rotWithShape="1">
-          <a:blip r:embed="rId2">
-            <a:alphaModFix/>
-          </a:blip>
-          <a:srcRect/>
+          <a:blip r:embed="rId2"/>
+          <a:srcRect t="33821" b="33582"/>
           <a:stretch/>
         </p:blipFill>
         <p:spPr>
           <a:xfrm>
-            <a:off x="703825" y="4240222"/>
-            <a:ext cx="2575125" cy="674678"/>
+            <a:off x="703825" y="4216088"/>
+            <a:ext cx="2919211" cy="594732"/>
           </a:xfrm>
           <a:prstGeom prst="rect">
             <a:avLst/>
           </a:prstGeom>
-          <a:noFill/>
-          <a:ln>
-            <a:noFill/>
-          </a:ln>
         </p:spPr>
       </p:pic>
     </p:spTree>
@@ -9218,29 +9230,31 @@
       </p:pic>
       <p:pic>
         <p:nvPicPr>
-          <p:cNvPr id="61" name="Google Shape;61;p8"/>
-          <p:cNvPicPr preferRelativeResize="0"/>
-          <p:nvPr/>
+          <p:cNvPr id="3" name="Picture 2" descr="A blue and black logo&#10;&#10;Description automatically generated">
+            <a:extLst>
+              <a:ext uri="{FF2B5EF4-FFF2-40B4-BE49-F238E27FC236}">
+                <a16:creationId xmlns:a16="http://schemas.microsoft.com/office/drawing/2014/main" id="{C22B3441-ADD0-CA51-7D5C-3327439E1683}"/>
+              </a:ext>
+            </a:extLst>
+          </p:cNvPr>
+          <p:cNvPicPr>
+            <a:picLocks noChangeAspect="1"/>
+          </p:cNvPicPr>
+          <p:nvPr userDrawn="1"/>
         </p:nvPicPr>
         <p:blipFill rotWithShape="1">
-          <a:blip r:embed="rId3">
-            <a:alphaModFix/>
-          </a:blip>
-          <a:srcRect/>
+          <a:blip r:embed="rId3"/>
+          <a:srcRect t="33821" b="33582"/>
           <a:stretch/>
         </p:blipFill>
         <p:spPr>
           <a:xfrm>
-            <a:off x="190400" y="4409447"/>
-            <a:ext cx="2575125" cy="674678"/>
+            <a:off x="190400" y="4468847"/>
+            <a:ext cx="2919211" cy="594732"/>
           </a:xfrm>
           <a:prstGeom prst="rect">
             <a:avLst/>
           </a:prstGeom>
-          <a:noFill/>
-          <a:ln>
-            <a:noFill/>
-          </a:ln>
         </p:spPr>
       </p:pic>
     </p:spTree>
@@ -10039,29 +10053,31 @@
       </p:sp>
       <p:pic>
         <p:nvPicPr>
-          <p:cNvPr id="69" name="Google Shape;69;p9"/>
-          <p:cNvPicPr preferRelativeResize="0"/>
-          <p:nvPr/>
+          <p:cNvPr id="3" name="Picture 2" descr="A blue and black logo&#10;&#10;Description automatically generated">
+            <a:extLst>
+              <a:ext uri="{FF2B5EF4-FFF2-40B4-BE49-F238E27FC236}">
+                <a16:creationId xmlns:a16="http://schemas.microsoft.com/office/drawing/2014/main" id="{0840B4CE-6204-6BDD-B8A5-3B986FB3BAB9}"/>
+              </a:ext>
+            </a:extLst>
+          </p:cNvPr>
+          <p:cNvPicPr>
+            <a:picLocks noChangeAspect="1"/>
+          </p:cNvPicPr>
+          <p:nvPr userDrawn="1"/>
         </p:nvPicPr>
         <p:blipFill rotWithShape="1">
-          <a:blip r:embed="rId2">
-            <a:alphaModFix/>
-          </a:blip>
-          <a:srcRect/>
+          <a:blip r:embed="rId2"/>
+          <a:srcRect t="33821" b="33582"/>
           <a:stretch/>
         </p:blipFill>
         <p:spPr>
           <a:xfrm>
-            <a:off x="190400" y="4409447"/>
-            <a:ext cx="2575125" cy="674678"/>
+            <a:off x="190400" y="4468847"/>
+            <a:ext cx="2919211" cy="594732"/>
           </a:xfrm>
           <a:prstGeom prst="rect">
             <a:avLst/>
           </a:prstGeom>
-          <a:noFill/>
-          <a:ln>
-            <a:noFill/>
-          </a:ln>
         </p:spPr>
       </p:pic>
     </p:spTree>
@@ -10532,29 +10548,31 @@
       </p:sp>
       <p:pic>
         <p:nvPicPr>
-          <p:cNvPr id="73" name="Google Shape;73;p10"/>
-          <p:cNvPicPr preferRelativeResize="0"/>
-          <p:nvPr/>
+          <p:cNvPr id="2" name="Picture 1" descr="A blue and black logo&#10;&#10;Description automatically generated">
+            <a:extLst>
+              <a:ext uri="{FF2B5EF4-FFF2-40B4-BE49-F238E27FC236}">
+                <a16:creationId xmlns:a16="http://schemas.microsoft.com/office/drawing/2014/main" id="{8C32D94A-7F1C-2562-9701-6ECDEC1A7449}"/>
+              </a:ext>
+            </a:extLst>
+          </p:cNvPr>
+          <p:cNvPicPr>
+            <a:picLocks noChangeAspect="1"/>
+          </p:cNvPicPr>
+          <p:nvPr userDrawn="1"/>
         </p:nvPicPr>
         <p:blipFill rotWithShape="1">
-          <a:blip r:embed="rId2">
-            <a:alphaModFix/>
-          </a:blip>
-          <a:srcRect/>
+          <a:blip r:embed="rId2"/>
+          <a:srcRect t="33821" b="33582"/>
           <a:stretch/>
         </p:blipFill>
         <p:spPr>
           <a:xfrm>
-            <a:off x="190400" y="4409447"/>
-            <a:ext cx="2575125" cy="674678"/>
+            <a:off x="190400" y="4468847"/>
+            <a:ext cx="2919211" cy="594732"/>
           </a:xfrm>
           <a:prstGeom prst="rect">
             <a:avLst/>
           </a:prstGeom>
-          <a:noFill/>
-          <a:ln>
-            <a:noFill/>
-          </a:ln>
         </p:spPr>
       </p:pic>
     </p:spTree>
@@ -11432,7 +11450,7 @@
         <p:fade/>
       </p:transition>
     </mc:Choice>
-    <mc:Fallback xmlns:ahyp="http://schemas.microsoft.com/office/drawing/2018/hyperlinkcolor" xmlns:p15="http://schemas.microsoft.com/office/powerpoint/2012/main" xmlns:com="http://schemas.openxmlformats.org/drawingml/2006/compatibility" xmlns:pvml="urn:schemas-microsoft-com:office:powerpoint" xmlns:v="urn:schemas-microsoft-com:vml" xmlns:o="urn:schemas-microsoft-com:office:office" xmlns:dgm="http://schemas.openxmlformats.org/drawingml/2006/diagram" xmlns:c="http://schemas.openxmlformats.org/drawingml/2006/chart" xmlns:mv="urn:schemas-microsoft-com:mac:vml" xmlns="">
+    <mc:Fallback xmlns="" xmlns:mv="urn:schemas-microsoft-com:mac:vml" xmlns:c="http://schemas.openxmlformats.org/drawingml/2006/chart" xmlns:dgm="http://schemas.openxmlformats.org/drawingml/2006/diagram" xmlns:o="urn:schemas-microsoft-com:office:office" xmlns:v="urn:schemas-microsoft-com:vml" xmlns:pvml="urn:schemas-microsoft-com:office:powerpoint" xmlns:com="http://schemas.openxmlformats.org/drawingml/2006/compatibility" xmlns:p15="http://schemas.microsoft.com/office/powerpoint/2012/main" xmlns:ahyp="http://schemas.microsoft.com/office/drawing/2018/hyperlinkcolor">
       <p:transition spd="slow">
         <p:fade/>
       </p:transition>
@@ -12248,7 +12266,9 @@
         </p:nvSpPr>
         <p:spPr/>
         <p:txBody>
-          <a:bodyPr/>
+          <a:bodyPr>
+            <a:normAutofit fontScale="90000"/>
+          </a:bodyPr>
           <a:lstStyle/>
           <a:p>
             <a:endParaRPr lang="en-US"/>
@@ -12655,7 +12675,9 @@
         </p:nvSpPr>
         <p:spPr/>
         <p:txBody>
-          <a:bodyPr/>
+          <a:bodyPr>
+            <a:normAutofit fontScale="90000"/>
+          </a:bodyPr>
           <a:lstStyle/>
           <a:p>
             <a:endParaRPr lang="en-US"/>
@@ -12820,7 +12842,9 @@
         </p:nvSpPr>
         <p:spPr/>
         <p:txBody>
-          <a:bodyPr/>
+          <a:bodyPr>
+            <a:normAutofit fontScale="92500" lnSpcReduction="20000"/>
+          </a:bodyPr>
           <a:lstStyle/>
           <a:p>
             <a:endParaRPr lang="en-US"/>
@@ -12985,7 +13009,9 @@
         </p:nvSpPr>
         <p:spPr/>
         <p:txBody>
-          <a:bodyPr/>
+          <a:bodyPr>
+            <a:normAutofit fontScale="90000"/>
+          </a:bodyPr>
           <a:lstStyle/>
           <a:p>
             <a:endParaRPr lang="en-US"/>
@@ -13056,7 +13082,7 @@
 </file>
 
 <file path=ppt/theme/theme1.xml><?xml version="1.0" encoding="utf-8"?>
-<a:theme xmlns:a="http://schemas.openxmlformats.org/drawingml/2006/main" name="LFESS Theme 2023">
+<a:theme xmlns:a="http://schemas.openxmlformats.org/drawingml/2006/main" name="LFESS Theme 2024">
   <a:themeElements>
     <a:clrScheme name="Geometric">
       <a:dk1>
